--- a/演示/前端自动化.pptx
+++ b/演示/前端自动化.pptx
@@ -4,6 +4,12 @@
   <p:sldMasterIdLst>
     <p:sldMasterId id="2147483648" r:id="rId1"/>
   </p:sldMasterIdLst>
+  <p:sldIdLst>
+    <p:sldId id="256" r:id="rId3"/>
+    <p:sldId id="257" r:id="rId4"/>
+    <p:sldId id="258" r:id="rId5"/>
+    <p:sldId id="259" r:id="rId6"/>
+  </p:sldIdLst>
   <p:sldSz cx="12192000" cy="6858000"/>
   <p:notesSz cx="6858000" cy="9144000"/>
   <p:defaultTextStyle>
@@ -2875,6 +2881,835 @@
 </p:sldMaster>
 </file>
 
+<file path=ppt/slides/slide1.xml><?xml version="1.0" encoding="utf-8"?>
+<p:sld xmlns:a="http://schemas.openxmlformats.org/drawingml/2006/main" xmlns:r="http://schemas.openxmlformats.org/officeDocument/2006/relationships" xmlns:p="http://schemas.openxmlformats.org/presentationml/2006/main">
+  <p:cSld>
+    <p:spTree>
+      <p:nvGrpSpPr>
+        <p:cNvPr id="1" name=""/>
+        <p:cNvGrpSpPr/>
+        <p:nvPr/>
+      </p:nvGrpSpPr>
+      <p:grpSpPr/>
+      <p:sp>
+        <p:nvSpPr>
+          <p:cNvPr id="2" name="标题 1"/>
+          <p:cNvSpPr>
+            <a:spLocks noGrp="1"/>
+          </p:cNvSpPr>
+          <p:nvPr>
+            <p:ph type="ctrTitle"/>
+          </p:nvPr>
+        </p:nvSpPr>
+        <p:spPr>
+          <a:xfrm>
+            <a:off x="1524000" y="1065530"/>
+            <a:ext cx="8386445" cy="1152525"/>
+          </a:xfrm>
+        </p:spPr>
+        <p:txBody>
+          <a:bodyPr>
+            <a:normAutofit fontScale="90000"/>
+          </a:bodyPr>
+          <a:p>
+            <a:r>
+              <a:rPr lang="zh-CN" altLang="en-US"/>
+              <a:t>前端自动化</a:t>
+            </a:r>
+            <a:br>
+              <a:rPr lang="zh-CN" altLang="en-US"/>
+            </a:br>
+            <a:endParaRPr lang="zh-CN" altLang="en-US"/>
+          </a:p>
+        </p:txBody>
+      </p:sp>
+      <p:sp>
+        <p:nvSpPr>
+          <p:cNvPr id="5" name="文本框 4"/>
+          <p:cNvSpPr txBox="1"/>
+          <p:nvPr/>
+        </p:nvSpPr>
+        <p:spPr>
+          <a:xfrm>
+            <a:off x="864870" y="1673860"/>
+            <a:ext cx="5890895" cy="1568450"/>
+          </a:xfrm>
+          <a:prstGeom prst="rect">
+            <a:avLst/>
+          </a:prstGeom>
+          <a:noFill/>
+        </p:spPr>
+        <p:txBody>
+          <a:bodyPr wrap="square" rtlCol="0">
+            <a:spAutoFit/>
+          </a:bodyPr>
+          <a:p>
+            <a:r>
+              <a:rPr lang="zh-CN" altLang="en-US" sz="3200"/>
+              <a:t>一  简介</a:t>
+            </a:r>
+            <a:endParaRPr lang="zh-CN" altLang="en-US" sz="3200"/>
+          </a:p>
+          <a:p>
+            <a:r>
+              <a:rPr lang="zh-CN" altLang="en-US" sz="3200"/>
+              <a:t>二</a:t>
+            </a:r>
+            <a:r>
+              <a:rPr lang="en-US" altLang="zh-CN" sz="3200"/>
+              <a:t>.  nodeJS</a:t>
+            </a:r>
+            <a:r>
+              <a:rPr lang="zh-CN" altLang="en-US" sz="3200"/>
+              <a:t>和</a:t>
+            </a:r>
+            <a:r>
+              <a:rPr lang="en-US" altLang="zh-CN" sz="3200"/>
+              <a:t>npm</a:t>
+            </a:r>
+            <a:endParaRPr lang="zh-CN" altLang="en-US" sz="3200"/>
+          </a:p>
+          <a:p>
+            <a:r>
+              <a:rPr lang="zh-CN" altLang="en-US" sz="3200"/>
+              <a:t>三</a:t>
+            </a:r>
+            <a:r>
+              <a:rPr lang="en-US" altLang="zh-CN" sz="3200"/>
+              <a:t>.  gulp</a:t>
+            </a:r>
+            <a:endParaRPr lang="en-US" altLang="zh-CN" sz="3200"/>
+          </a:p>
+        </p:txBody>
+      </p:sp>
+    </p:spTree>
+  </p:cSld>
+  <p:clrMapOvr>
+    <a:masterClrMapping/>
+  </p:clrMapOvr>
+</p:sld>
+</file>
+
+<file path=ppt/slides/slide2.xml><?xml version="1.0" encoding="utf-8"?>
+<p:sld xmlns:a="http://schemas.openxmlformats.org/drawingml/2006/main" xmlns:r="http://schemas.openxmlformats.org/officeDocument/2006/relationships" xmlns:p="http://schemas.openxmlformats.org/presentationml/2006/main">
+  <p:cSld>
+    <p:spTree>
+      <p:nvGrpSpPr>
+        <p:cNvPr id="1" name=""/>
+        <p:cNvGrpSpPr/>
+        <p:nvPr/>
+      </p:nvGrpSpPr>
+      <p:grpSpPr/>
+      <p:sp>
+        <p:nvSpPr>
+          <p:cNvPr id="2" name="标题 1"/>
+          <p:cNvSpPr>
+            <a:spLocks noGrp="1"/>
+          </p:cNvSpPr>
+          <p:nvPr>
+            <p:ph type="title"/>
+          </p:nvPr>
+        </p:nvSpPr>
+        <p:spPr/>
+        <p:txBody>
+          <a:bodyPr>
+            <a:normAutofit fontScale="90000"/>
+          </a:bodyPr>
+          <a:p>
+            <a:r>
+              <a:rPr lang="zh-CN" altLang="en-US"/>
+              <a:t>一 前端自动化简介</a:t>
+            </a:r>
+            <a:br>
+              <a:rPr lang="zh-CN" altLang="en-US"/>
+            </a:br>
+            <a:endParaRPr lang="zh-CN" altLang="en-US"/>
+          </a:p>
+        </p:txBody>
+      </p:sp>
+      <p:sp>
+        <p:nvSpPr>
+          <p:cNvPr id="6" name="文本框 5"/>
+          <p:cNvSpPr txBox="1"/>
+          <p:nvPr/>
+        </p:nvSpPr>
+        <p:spPr>
+          <a:xfrm>
+            <a:off x="838200" y="1691005"/>
+            <a:ext cx="9344025" cy="368300"/>
+          </a:xfrm>
+          <a:prstGeom prst="rect">
+            <a:avLst/>
+          </a:prstGeom>
+          <a:noFill/>
+        </p:spPr>
+        <p:txBody>
+          <a:bodyPr wrap="square" rtlCol="0">
+            <a:spAutoFit/>
+          </a:bodyPr>
+          <a:p>
+            <a:r>
+              <a:rPr lang="en-US" altLang="zh-CN"/>
+              <a:t>        </a:t>
+            </a:r>
+            <a:endParaRPr lang="en-US" altLang="zh-CN"/>
+          </a:p>
+        </p:txBody>
+      </p:sp>
+      <p:sp>
+        <p:nvSpPr>
+          <p:cNvPr id="7" name="文本框 6"/>
+          <p:cNvSpPr txBox="1"/>
+          <p:nvPr/>
+        </p:nvSpPr>
+        <p:spPr>
+          <a:xfrm>
+            <a:off x="960755" y="1691005"/>
+            <a:ext cx="8465820" cy="922020"/>
+          </a:xfrm>
+          <a:prstGeom prst="rect">
+            <a:avLst/>
+          </a:prstGeom>
+          <a:noFill/>
+        </p:spPr>
+        <p:txBody>
+          <a:bodyPr wrap="square" rtlCol="0">
+            <a:spAutoFit/>
+          </a:bodyPr>
+          <a:p>
+            <a:pPr algn="l"/>
+            <a:r>
+              <a:rPr lang="en-US" altLang="zh-CN">
+                <a:sym typeface="+mn-ea"/>
+              </a:rPr>
+              <a:t>        “</a:t>
+            </a:r>
+            <a:r>
+              <a:rPr lang="zh-CN" altLang="en-US">
+                <a:sym typeface="+mn-ea"/>
+              </a:rPr>
+              <a:t>自动化</a:t>
+            </a:r>
+            <a:r>
+              <a:rPr lang="en-US" altLang="zh-CN">
+                <a:sym typeface="+mn-ea"/>
+              </a:rPr>
+              <a:t>”</a:t>
+            </a:r>
+            <a:r>
+              <a:rPr lang="zh-CN" altLang="en-US">
+                <a:sym typeface="+mn-ea"/>
+              </a:rPr>
+              <a:t>，简而言之，就是</a:t>
+            </a:r>
+            <a:r>
+              <a:rPr lang="zh-CN" altLang="en-US">
+                <a:solidFill>
+                  <a:srgbClr val="FF0000"/>
+                </a:solidFill>
+                <a:sym typeface="+mn-ea"/>
+              </a:rPr>
+              <a:t>一键搞定</a:t>
+            </a:r>
+            <a:r>
+              <a:rPr lang="zh-CN" altLang="en-US">
+                <a:solidFill>
+                  <a:schemeClr val="accent5"/>
+                </a:solidFill>
+                <a:sym typeface="+mn-ea"/>
+              </a:rPr>
+              <a:t>优化压缩</a:t>
+            </a:r>
+            <a:r>
+              <a:rPr lang="en-US" altLang="zh-CN">
+                <a:sym typeface="+mn-ea"/>
+              </a:rPr>
+              <a:t>js</a:t>
+            </a:r>
+            <a:r>
+              <a:rPr lang="zh-CN" altLang="en-US">
+                <a:sym typeface="+mn-ea"/>
+              </a:rPr>
+              <a:t>、</a:t>
+            </a:r>
+            <a:r>
+              <a:rPr lang="en-US" altLang="zh-CN">
+                <a:sym typeface="+mn-ea"/>
+              </a:rPr>
+              <a:t>css</a:t>
+            </a:r>
+            <a:r>
+              <a:rPr lang="zh-CN" altLang="en-US">
+                <a:sym typeface="+mn-ea"/>
+              </a:rPr>
+              <a:t>，</a:t>
+            </a:r>
+            <a:r>
+              <a:rPr lang="zh-CN" altLang="en-US">
+                <a:solidFill>
+                  <a:schemeClr val="accent5"/>
+                </a:solidFill>
+                <a:sym typeface="+mn-ea"/>
+              </a:rPr>
+              <a:t>合并</a:t>
+            </a:r>
+            <a:r>
+              <a:rPr lang="en-US" altLang="zh-CN">
+                <a:sym typeface="+mn-ea"/>
+              </a:rPr>
+              <a:t>js</a:t>
+            </a:r>
+            <a:r>
+              <a:rPr lang="zh-CN" altLang="en-US">
+                <a:sym typeface="+mn-ea"/>
+              </a:rPr>
+              <a:t>的模块，将浏览器还不支持的</a:t>
+            </a:r>
+            <a:r>
+              <a:rPr lang="en-US" altLang="zh-CN">
+                <a:sym typeface="+mn-ea"/>
+              </a:rPr>
+              <a:t>es6</a:t>
+            </a:r>
+            <a:r>
+              <a:rPr lang="zh-CN" altLang="en-US">
+                <a:sym typeface="+mn-ea"/>
+              </a:rPr>
+              <a:t>语法（现在一般只支持</a:t>
+            </a:r>
+            <a:r>
+              <a:rPr lang="en-US" altLang="zh-CN">
+                <a:sym typeface="+mn-ea"/>
+              </a:rPr>
+              <a:t>es5</a:t>
+            </a:r>
+            <a:r>
+              <a:rPr lang="zh-CN" altLang="en-US">
+                <a:sym typeface="+mn-ea"/>
+              </a:rPr>
+              <a:t>）</a:t>
+            </a:r>
+            <a:r>
+              <a:rPr lang="zh-CN" altLang="en-US">
+                <a:solidFill>
+                  <a:schemeClr val="accent5"/>
+                </a:solidFill>
+                <a:sym typeface="+mn-ea"/>
+              </a:rPr>
+              <a:t>编译</a:t>
+            </a:r>
+            <a:r>
+              <a:rPr lang="zh-CN" altLang="en-US">
+                <a:sym typeface="+mn-ea"/>
+              </a:rPr>
+              <a:t>成</a:t>
+            </a:r>
+            <a:r>
+              <a:rPr lang="en-US" altLang="zh-CN">
+                <a:sym typeface="+mn-ea"/>
+              </a:rPr>
+              <a:t>es5</a:t>
+            </a:r>
+            <a:r>
+              <a:rPr lang="zh-CN" altLang="en-US">
+                <a:sym typeface="+mn-ea"/>
+              </a:rPr>
+              <a:t>等功能。省的一步一步完成这些繁琐的操作。</a:t>
+            </a:r>
+            <a:r>
+              <a:rPr lang="en-US" altLang="zh-CN">
+                <a:sym typeface="+mn-ea"/>
+              </a:rPr>
+              <a:t>	</a:t>
+            </a:r>
+            <a:endParaRPr lang="en-US" altLang="zh-CN"/>
+          </a:p>
+        </p:txBody>
+      </p:sp>
+    </p:spTree>
+  </p:cSld>
+  <p:clrMapOvr>
+    <a:masterClrMapping/>
+  </p:clrMapOvr>
+</p:sld>
+</file>
+
+<file path=ppt/slides/slide3.xml><?xml version="1.0" encoding="utf-8"?>
+<p:sld xmlns:a="http://schemas.openxmlformats.org/drawingml/2006/main" xmlns:r="http://schemas.openxmlformats.org/officeDocument/2006/relationships" xmlns:p="http://schemas.openxmlformats.org/presentationml/2006/main">
+  <p:cSld>
+    <p:spTree>
+      <p:nvGrpSpPr>
+        <p:cNvPr id="1" name=""/>
+        <p:cNvGrpSpPr/>
+        <p:nvPr/>
+      </p:nvGrpSpPr>
+      <p:grpSpPr/>
+      <p:sp>
+        <p:nvSpPr>
+          <p:cNvPr id="2" name="标题 1"/>
+          <p:cNvSpPr>
+            <a:spLocks noGrp="1"/>
+          </p:cNvSpPr>
+          <p:nvPr>
+            <p:ph type="title"/>
+          </p:nvPr>
+        </p:nvSpPr>
+        <p:spPr/>
+        <p:txBody>
+          <a:bodyPr>
+            <a:normAutofit fontScale="90000"/>
+          </a:bodyPr>
+          <a:p>
+            <a:r>
+              <a:rPr lang="zh-CN" altLang="en-US"/>
+              <a:t>二 </a:t>
+            </a:r>
+            <a:r>
+              <a:rPr lang="en-US" altLang="zh-CN"/>
+              <a:t>nodejs</a:t>
+            </a:r>
+            <a:r>
+              <a:rPr lang="zh-CN" altLang="en-US"/>
+              <a:t>与</a:t>
+            </a:r>
+            <a:r>
+              <a:rPr lang="en-US" altLang="zh-CN"/>
+              <a:t>npm</a:t>
+            </a:r>
+            <a:br>
+              <a:rPr lang="zh-CN" altLang="en-US"/>
+            </a:br>
+            <a:endParaRPr lang="zh-CN" altLang="en-US"/>
+          </a:p>
+        </p:txBody>
+      </p:sp>
+      <p:sp>
+        <p:nvSpPr>
+          <p:cNvPr id="6" name="文本框 5"/>
+          <p:cNvSpPr txBox="1"/>
+          <p:nvPr/>
+        </p:nvSpPr>
+        <p:spPr>
+          <a:xfrm>
+            <a:off x="838200" y="1691005"/>
+            <a:ext cx="9344025" cy="368300"/>
+          </a:xfrm>
+          <a:prstGeom prst="rect">
+            <a:avLst/>
+          </a:prstGeom>
+          <a:noFill/>
+        </p:spPr>
+        <p:txBody>
+          <a:bodyPr wrap="square" rtlCol="0">
+            <a:spAutoFit/>
+          </a:bodyPr>
+          <a:p>
+            <a:r>
+              <a:rPr lang="en-US" altLang="zh-CN"/>
+              <a:t>        </a:t>
+            </a:r>
+            <a:endParaRPr lang="en-US" altLang="zh-CN"/>
+          </a:p>
+        </p:txBody>
+      </p:sp>
+      <p:sp>
+        <p:nvSpPr>
+          <p:cNvPr id="7" name="文本框 6"/>
+          <p:cNvSpPr txBox="1"/>
+          <p:nvPr/>
+        </p:nvSpPr>
+        <p:spPr>
+          <a:xfrm>
+            <a:off x="838200" y="1301115"/>
+            <a:ext cx="8465820" cy="1198880"/>
+          </a:xfrm>
+          <a:prstGeom prst="rect">
+            <a:avLst/>
+          </a:prstGeom>
+          <a:noFill/>
+        </p:spPr>
+        <p:txBody>
+          <a:bodyPr wrap="square" rtlCol="0">
+            <a:spAutoFit/>
+          </a:bodyPr>
+          <a:p>
+            <a:pPr algn="l"/>
+            <a:r>
+              <a:rPr lang="zh-CN" altLang="en-US">
+                <a:sym typeface="+mn-ea"/>
+              </a:rPr>
+              <a:t>百度百科：</a:t>
+            </a:r>
+            <a:endParaRPr lang="en-US" altLang="zh-CN">
+              <a:sym typeface="+mn-ea"/>
+            </a:endParaRPr>
+          </a:p>
+          <a:p>
+            <a:pPr lvl="1" algn="l"/>
+            <a:r>
+              <a:rPr lang="en-US" altLang="zh-CN">
+                <a:sym typeface="+mn-ea"/>
+              </a:rPr>
+              <a:t>Node.js 是一个基于 Chrome V8 引擎的 JavaScript 运行环境。 </a:t>
+            </a:r>
+            <a:endParaRPr lang="en-US" altLang="zh-CN">
+              <a:sym typeface="+mn-ea"/>
+            </a:endParaRPr>
+          </a:p>
+          <a:p>
+            <a:pPr lvl="1" algn="l"/>
+            <a:r>
+              <a:rPr lang="en-US" altLang="zh-CN"/>
+              <a:t>Node.js 使用了一个事件驱动、非阻塞式 I/O 的模型，使其轻量又高效。 </a:t>
+            </a:r>
+            <a:endParaRPr lang="en-US" altLang="zh-CN"/>
+          </a:p>
+          <a:p>
+            <a:pPr lvl="1" algn="l"/>
+            <a:r>
+              <a:rPr lang="en-US" altLang="zh-CN"/>
+              <a:t>Node.js 的包管理器 npm，是全球最大的开源库生态系统。</a:t>
+            </a:r>
+            <a:endParaRPr lang="en-US" altLang="zh-CN"/>
+          </a:p>
+        </p:txBody>
+      </p:sp>
+      <p:sp>
+        <p:nvSpPr>
+          <p:cNvPr id="3" name="文本框 2"/>
+          <p:cNvSpPr txBox="1"/>
+          <p:nvPr/>
+        </p:nvSpPr>
+        <p:spPr>
+          <a:xfrm>
+            <a:off x="838200" y="2708275"/>
+            <a:ext cx="7737475" cy="645160"/>
+          </a:xfrm>
+          <a:prstGeom prst="rect">
+            <a:avLst/>
+          </a:prstGeom>
+          <a:noFill/>
+        </p:spPr>
+        <p:txBody>
+          <a:bodyPr wrap="square" rtlCol="0">
+            <a:spAutoFit/>
+          </a:bodyPr>
+          <a:p>
+            <a:r>
+              <a:rPr lang="en-US" altLang="zh-CN"/>
+              <a:t>Nodejs</a:t>
+            </a:r>
+            <a:r>
+              <a:rPr lang="zh-CN" altLang="en-US"/>
+              <a:t>很深奥，因为我们接下来用的自动化工具都是基于</a:t>
+            </a:r>
+            <a:r>
+              <a:rPr lang="en-US" altLang="zh-CN"/>
+              <a:t>nodejs</a:t>
+            </a:r>
+            <a:r>
+              <a:rPr lang="zh-CN" altLang="en-US"/>
+              <a:t>开发的，所以得装一下它，具体的使用我们暂且</a:t>
+            </a:r>
+            <a:r>
+              <a:rPr lang="zh-CN" altLang="en-US">
+                <a:solidFill>
+                  <a:schemeClr val="accent5"/>
+                </a:solidFill>
+              </a:rPr>
+              <a:t>不管它</a:t>
+            </a:r>
+            <a:r>
+              <a:rPr lang="zh-CN" altLang="en-US"/>
+              <a:t>。</a:t>
+            </a:r>
+            <a:endParaRPr lang="en-US" altLang="zh-CN"/>
+          </a:p>
+        </p:txBody>
+      </p:sp>
+      <p:sp>
+        <p:nvSpPr>
+          <p:cNvPr id="4" name="文本框 3"/>
+          <p:cNvSpPr txBox="1"/>
+          <p:nvPr/>
+        </p:nvSpPr>
+        <p:spPr>
+          <a:xfrm>
+            <a:off x="838200" y="3624580"/>
+            <a:ext cx="7902575" cy="368300"/>
+          </a:xfrm>
+          <a:prstGeom prst="rect">
+            <a:avLst/>
+          </a:prstGeom>
+          <a:noFill/>
+        </p:spPr>
+        <p:txBody>
+          <a:bodyPr wrap="square" rtlCol="0">
+            <a:spAutoFit/>
+          </a:bodyPr>
+          <a:p>
+            <a:r>
+              <a:rPr lang="en-US" altLang="zh-CN"/>
+              <a:t>npm</a:t>
+            </a:r>
+            <a:r>
+              <a:rPr lang="zh-CN" altLang="en-US"/>
+              <a:t>主要是用于能够很方便的</a:t>
+            </a:r>
+            <a:r>
+              <a:rPr lang="zh-CN" altLang="en-US">
+                <a:solidFill>
+                  <a:schemeClr val="accent5"/>
+                </a:solidFill>
+              </a:rPr>
+              <a:t>下载和管理</a:t>
+            </a:r>
+            <a:r>
+              <a:rPr lang="zh-CN" altLang="en-US"/>
+              <a:t>一些</a:t>
+            </a:r>
+            <a:r>
+              <a:rPr lang="en-US" altLang="zh-CN"/>
+              <a:t>js</a:t>
+            </a:r>
+            <a:r>
+              <a:rPr lang="zh-CN" altLang="en-US"/>
+              <a:t>库，比如</a:t>
+            </a:r>
+            <a:r>
+              <a:rPr lang="en-US" altLang="zh-CN"/>
+              <a:t>jquery,bootstrap</a:t>
+            </a:r>
+            <a:r>
+              <a:rPr lang="zh-CN" altLang="en-US"/>
+              <a:t>。</a:t>
+            </a:r>
+            <a:endParaRPr lang="zh-CN" altLang="en-US"/>
+          </a:p>
+        </p:txBody>
+      </p:sp>
+    </p:spTree>
+  </p:cSld>
+  <p:clrMapOvr>
+    <a:masterClrMapping/>
+  </p:clrMapOvr>
+</p:sld>
+</file>
+
+<file path=ppt/slides/slide4.xml><?xml version="1.0" encoding="utf-8"?>
+<p:sld xmlns:a="http://schemas.openxmlformats.org/drawingml/2006/main" xmlns:r="http://schemas.openxmlformats.org/officeDocument/2006/relationships" xmlns:p="http://schemas.openxmlformats.org/presentationml/2006/main">
+  <p:cSld>
+    <p:spTree>
+      <p:nvGrpSpPr>
+        <p:cNvPr id="1" name=""/>
+        <p:cNvGrpSpPr/>
+        <p:nvPr/>
+      </p:nvGrpSpPr>
+      <p:grpSpPr/>
+      <p:sp>
+        <p:nvSpPr>
+          <p:cNvPr id="2" name="标题 1"/>
+          <p:cNvSpPr>
+            <a:spLocks noGrp="1"/>
+          </p:cNvSpPr>
+          <p:nvPr>
+            <p:ph type="title"/>
+          </p:nvPr>
+        </p:nvSpPr>
+        <p:spPr/>
+        <p:txBody>
+          <a:bodyPr>
+            <a:normAutofit fontScale="90000"/>
+          </a:bodyPr>
+          <a:p>
+            <a:r>
+              <a:rPr lang="zh-CN" altLang="en-US"/>
+              <a:t>三 </a:t>
+            </a:r>
+            <a:r>
+              <a:rPr lang="en-US" altLang="zh-CN"/>
+              <a:t>gulp</a:t>
+            </a:r>
+            <a:br>
+              <a:rPr lang="zh-CN" altLang="en-US"/>
+            </a:br>
+            <a:endParaRPr lang="zh-CN" altLang="en-US"/>
+          </a:p>
+        </p:txBody>
+      </p:sp>
+      <p:sp>
+        <p:nvSpPr>
+          <p:cNvPr id="6" name="文本框 5"/>
+          <p:cNvSpPr txBox="1"/>
+          <p:nvPr/>
+        </p:nvSpPr>
+        <p:spPr>
+          <a:xfrm>
+            <a:off x="838200" y="1691005"/>
+            <a:ext cx="9344025" cy="368300"/>
+          </a:xfrm>
+          <a:prstGeom prst="rect">
+            <a:avLst/>
+          </a:prstGeom>
+          <a:noFill/>
+        </p:spPr>
+        <p:txBody>
+          <a:bodyPr wrap="square" rtlCol="0">
+            <a:spAutoFit/>
+          </a:bodyPr>
+          <a:p>
+            <a:r>
+              <a:rPr lang="en-US" altLang="zh-CN"/>
+              <a:t>        </a:t>
+            </a:r>
+            <a:endParaRPr lang="en-US" altLang="zh-CN"/>
+          </a:p>
+        </p:txBody>
+      </p:sp>
+      <p:pic>
+        <p:nvPicPr>
+          <p:cNvPr id="5" name="图片 4"/>
+          <p:cNvPicPr>
+            <a:picLocks noChangeAspect="1"/>
+          </p:cNvPicPr>
+          <p:nvPr/>
+        </p:nvPicPr>
+        <p:blipFill>
+          <a:blip r:embed="rId1"/>
+          <a:stretch>
+            <a:fillRect/>
+          </a:stretch>
+        </p:blipFill>
+        <p:spPr>
+          <a:xfrm>
+            <a:off x="980440" y="1130300"/>
+            <a:ext cx="10904220" cy="2838450"/>
+          </a:xfrm>
+          <a:prstGeom prst="rect">
+            <a:avLst/>
+          </a:prstGeom>
+        </p:spPr>
+      </p:pic>
+      <p:sp>
+        <p:nvSpPr>
+          <p:cNvPr id="9" name="文本框 8"/>
+          <p:cNvSpPr txBox="1"/>
+          <p:nvPr/>
+        </p:nvSpPr>
+        <p:spPr>
+          <a:xfrm>
+            <a:off x="980440" y="4300220"/>
+            <a:ext cx="8505190" cy="1198880"/>
+          </a:xfrm>
+          <a:prstGeom prst="rect">
+            <a:avLst/>
+          </a:prstGeom>
+          <a:noFill/>
+        </p:spPr>
+        <p:txBody>
+          <a:bodyPr wrap="square" rtlCol="0" anchor="t">
+            <a:spAutoFit/>
+          </a:bodyPr>
+          <a:p>
+            <a:r>
+              <a:rPr lang="zh-CN" altLang="en-US"/>
+              <a:t>用法：</a:t>
+            </a:r>
+            <a:r>
+              <a:rPr lang="en-US" altLang="zh-CN"/>
+              <a:t>gulp</a:t>
+            </a:r>
+            <a:r>
+              <a:rPr lang="zh-CN" altLang="en-US"/>
+              <a:t>布置一些任务，然后</a:t>
+            </a:r>
+            <a:r>
+              <a:rPr lang="zh-CN" altLang="en-US">
+                <a:solidFill>
+                  <a:schemeClr val="accent5"/>
+                </a:solidFill>
+              </a:rPr>
+              <a:t>监听</a:t>
+            </a:r>
+            <a:r>
+              <a:rPr lang="zh-CN" altLang="en-US"/>
+              <a:t>文件改动，文件改动后，</a:t>
+            </a:r>
+            <a:r>
+              <a:rPr lang="zh-CN" altLang="en-US">
+                <a:solidFill>
+                  <a:schemeClr val="accent5"/>
+                </a:solidFill>
+              </a:rPr>
+              <a:t>触发</a:t>
+            </a:r>
+            <a:r>
+              <a:rPr lang="zh-CN" altLang="en-US"/>
+              <a:t>这些</a:t>
+            </a:r>
+            <a:r>
+              <a:rPr lang="zh-CN" altLang="en-US">
+                <a:solidFill>
+                  <a:schemeClr val="accent5"/>
+                </a:solidFill>
+              </a:rPr>
+              <a:t>任务</a:t>
+            </a:r>
+            <a:r>
+              <a:rPr lang="zh-CN" altLang="en-US"/>
+              <a:t>。</a:t>
+            </a:r>
+            <a:endParaRPr lang="zh-CN" altLang="en-US"/>
+          </a:p>
+          <a:p>
+            <a:r>
+              <a:rPr lang="zh-CN" altLang="en-US"/>
+              <a:t>每个任务就像是一个管道，</a:t>
+            </a:r>
+            <a:r>
+              <a:rPr lang="zh-CN" altLang="en-US">
+                <a:solidFill>
+                  <a:schemeClr val="accent5"/>
+                </a:solidFill>
+              </a:rPr>
+              <a:t>管道</a:t>
+            </a:r>
+            <a:r>
+              <a:rPr lang="zh-CN" altLang="en-US"/>
+              <a:t>中有几个</a:t>
+            </a:r>
+            <a:r>
+              <a:rPr lang="zh-CN" altLang="en-US">
+                <a:solidFill>
+                  <a:schemeClr val="accent5"/>
+                </a:solidFill>
+              </a:rPr>
+              <a:t>过滤</a:t>
+            </a:r>
+            <a:r>
+              <a:rPr lang="zh-CN" altLang="en-US"/>
+              <a:t>脏东西的节点。污水（处理前的文件）从一头流向另一头，然后变成干净的水（处理后的文件）。（就是韦唯上次说的</a:t>
+            </a:r>
+            <a:r>
+              <a:rPr lang="en-US" altLang="zh-CN"/>
+              <a:t>java8</a:t>
+            </a:r>
+            <a:r>
+              <a:rPr lang="zh-CN" altLang="en-US"/>
+              <a:t>中的流）</a:t>
+            </a:r>
+            <a:endParaRPr lang="zh-CN" altLang="en-US"/>
+          </a:p>
+        </p:txBody>
+      </p:sp>
+    </p:spTree>
+  </p:cSld>
+  <p:clrMapOvr>
+    <a:masterClrMapping/>
+  </p:clrMapOvr>
+</p:sld>
+</file>
+
 <file path=ppt/theme/theme1.xml><?xml version="1.0" encoding="utf-8"?>
 <a:theme xmlns:a="http://schemas.openxmlformats.org/drawingml/2006/main" name="Office 主题">
   <a:themeElements>

--- a/演示/前端自动化.pptx
+++ b/演示/前端自动化.pptx
@@ -3065,7 +3065,7 @@
         <p:spPr>
           <a:xfrm>
             <a:off x="960755" y="1691005"/>
-            <a:ext cx="8465820" cy="922020"/>
+            <a:ext cx="8465820" cy="645160"/>
           </a:xfrm>
           <a:prstGeom prst="rect">
             <a:avLst/>
@@ -3136,34 +3136,13 @@
               <a:rPr lang="en-US" altLang="zh-CN">
                 <a:sym typeface="+mn-ea"/>
               </a:rPr>
-              <a:t>css</a:t>
+              <a:t>css,</a:t>
             </a:r>
             <a:r>
               <a:rPr lang="zh-CN" altLang="en-US">
                 <a:sym typeface="+mn-ea"/>
               </a:rPr>
-              <a:t>，</a:t>
-            </a:r>
-            <a:r>
-              <a:rPr lang="zh-CN" altLang="en-US">
-                <a:solidFill>
-                  <a:schemeClr val="accent5"/>
-                </a:solidFill>
-                <a:sym typeface="+mn-ea"/>
-              </a:rPr>
-              <a:t>合并</a:t>
-            </a:r>
-            <a:r>
-              <a:rPr lang="en-US" altLang="zh-CN">
-                <a:sym typeface="+mn-ea"/>
-              </a:rPr>
-              <a:t>js</a:t>
-            </a:r>
-            <a:r>
-              <a:rPr lang="zh-CN" altLang="en-US">
-                <a:sym typeface="+mn-ea"/>
-              </a:rPr>
-              <a:t>的模块，将浏览器还不支持的</a:t>
+              <a:t>将浏览器还不支持的</a:t>
             </a:r>
             <a:r>
               <a:rPr lang="en-US" altLang="zh-CN">
